--- a/01_FoundationProjects/CFL03_RFID_Card_Read_Access/CFL03_RFID_Card_Read_Access.pptx
+++ b/01_FoundationProjects/CFL03_RFID_Card_Read_Access/CFL03_RFID_Card_Read_Access.pptx
@@ -7133,6 +7133,42 @@
           </a:p>
         </p:txBody>
       </p:sp>
+      <p:pic>
+        <p:nvPicPr>
+          <p:cNvPr id="7" name="Picture 6">
+            <a:extLst>
+              <a:ext uri="{FF2B5EF4-FFF2-40B4-BE49-F238E27FC236}">
+                <a16:creationId xmlns:a16="http://schemas.microsoft.com/office/drawing/2014/main" id="{4D9B1364-EC22-A169-5645-EBDCFC4C0B7B}"/>
+              </a:ext>
+            </a:extLst>
+          </p:cNvPr>
+          <p:cNvPicPr>
+            <a:picLocks noChangeAspect="1"/>
+          </p:cNvPicPr>
+          <p:nvPr/>
+        </p:nvPicPr>
+        <p:blipFill>
+          <a:blip r:embed="rId4" cstate="print">
+            <a:extLst>
+              <a:ext uri="{28A0092B-C50C-407E-A947-70E740481C1C}">
+                <a14:useLocalDpi xmlns:a14="http://schemas.microsoft.com/office/drawing/2010/main" val="0"/>
+              </a:ext>
+            </a:extLst>
+          </a:blip>
+          <a:stretch>
+            <a:fillRect/>
+          </a:stretch>
+        </p:blipFill>
+        <p:spPr>
+          <a:xfrm>
+            <a:off x="9004852" y="1"/>
+            <a:ext cx="3125372" cy="842386"/>
+          </a:xfrm>
+          <a:prstGeom prst="rect">
+            <a:avLst/>
+          </a:prstGeom>
+        </p:spPr>
+      </p:pic>
     </p:spTree>
   </p:cSld>
   <p:clrMapOvr>
@@ -7451,8 +7487,8 @@
             <a:chExt cx="784080" cy="441000"/>
           </a:xfrm>
         </p:grpSpPr>
-        <mc:AlternateContent xmlns:mc="http://schemas.openxmlformats.org/markup-compatibility/2006">
-          <mc:Choice xmlns:p14="http://schemas.microsoft.com/office/powerpoint/2010/main" Requires="p14">
+        <mc:AlternateContent xmlns:mc="http://schemas.openxmlformats.org/markup-compatibility/2006" xmlns:p14="http://schemas.microsoft.com/office/powerpoint/2010/main">
+          <mc:Choice Requires="p14">
             <p:contentPart p14:bwMode="auto" r:id="rId6">
               <p14:nvContentPartPr>
                 <p14:cNvPr id="13" name="Ink 12">
@@ -7471,7 +7507,7 @@
               </p14:xfrm>
             </p:contentPart>
           </mc:Choice>
-          <mc:Fallback>
+          <mc:Fallback xmlns="">
             <p:pic>
               <p:nvPicPr>
                 <p:cNvPr id="13" name="Ink 12">
@@ -7502,8 +7538,8 @@
             </p:pic>
           </mc:Fallback>
         </mc:AlternateContent>
-        <mc:AlternateContent xmlns:mc="http://schemas.openxmlformats.org/markup-compatibility/2006">
-          <mc:Choice xmlns:p14="http://schemas.microsoft.com/office/powerpoint/2010/main" Requires="p14">
+        <mc:AlternateContent xmlns:mc="http://schemas.openxmlformats.org/markup-compatibility/2006" xmlns:p14="http://schemas.microsoft.com/office/powerpoint/2010/main">
+          <mc:Choice Requires="p14">
             <p:contentPart p14:bwMode="auto" r:id="rId8">
               <p14:nvContentPartPr>
                 <p14:cNvPr id="14" name="Ink 13">
@@ -7522,7 +7558,7 @@
               </p14:xfrm>
             </p:contentPart>
           </mc:Choice>
-          <mc:Fallback>
+          <mc:Fallback xmlns="">
             <p:pic>
               <p:nvPicPr>
                 <p:cNvPr id="14" name="Ink 13">
@@ -7554,8 +7590,8 @@
           </mc:Fallback>
         </mc:AlternateContent>
       </p:grpSp>
-      <mc:AlternateContent xmlns:mc="http://schemas.openxmlformats.org/markup-compatibility/2006">
-        <mc:Choice xmlns:p14="http://schemas.microsoft.com/office/powerpoint/2010/main" Requires="p14">
+      <mc:AlternateContent xmlns:mc="http://schemas.openxmlformats.org/markup-compatibility/2006" xmlns:p14="http://schemas.microsoft.com/office/powerpoint/2010/main">
+        <mc:Choice Requires="p14">
           <p:contentPart p14:bwMode="auto" r:id="rId10">
             <p14:nvContentPartPr>
               <p14:cNvPr id="16" name="Ink 15">
@@ -7574,7 +7610,7 @@
             </p14:xfrm>
           </p:contentPart>
         </mc:Choice>
-        <mc:Fallback>
+        <mc:Fallback xmlns="">
           <p:pic>
             <p:nvPicPr>
               <p:cNvPr id="16" name="Ink 15">
@@ -7625,8 +7661,8 @@
             <a:chExt cx="795960" cy="638280"/>
           </a:xfrm>
         </p:grpSpPr>
-        <mc:AlternateContent xmlns:mc="http://schemas.openxmlformats.org/markup-compatibility/2006">
-          <mc:Choice xmlns:p14="http://schemas.microsoft.com/office/powerpoint/2010/main" Requires="p14">
+        <mc:AlternateContent xmlns:mc="http://schemas.openxmlformats.org/markup-compatibility/2006" xmlns:p14="http://schemas.microsoft.com/office/powerpoint/2010/main">
+          <mc:Choice Requires="p14">
             <p:contentPart p14:bwMode="auto" r:id="rId12">
               <p14:nvContentPartPr>
                 <p14:cNvPr id="22" name="Ink 21">
@@ -7645,7 +7681,7 @@
               </p14:xfrm>
             </p:contentPart>
           </mc:Choice>
-          <mc:Fallback>
+          <mc:Fallback xmlns="">
             <p:pic>
               <p:nvPicPr>
                 <p:cNvPr id="22" name="Ink 21">
@@ -7676,8 +7712,8 @@
             </p:pic>
           </mc:Fallback>
         </mc:AlternateContent>
-        <mc:AlternateContent xmlns:mc="http://schemas.openxmlformats.org/markup-compatibility/2006">
-          <mc:Choice xmlns:p14="http://schemas.microsoft.com/office/powerpoint/2010/main" Requires="p14">
+        <mc:AlternateContent xmlns:mc="http://schemas.openxmlformats.org/markup-compatibility/2006" xmlns:p14="http://schemas.microsoft.com/office/powerpoint/2010/main">
+          <mc:Choice Requires="p14">
             <p:contentPart p14:bwMode="auto" r:id="rId14">
               <p14:nvContentPartPr>
                 <p14:cNvPr id="23" name="Ink 22">
@@ -7696,7 +7732,7 @@
               </p14:xfrm>
             </p:contentPart>
           </mc:Choice>
-          <mc:Fallback>
+          <mc:Fallback xmlns="">
             <p:pic>
               <p:nvPicPr>
                 <p:cNvPr id="23" name="Ink 22">
@@ -7727,8 +7763,8 @@
             </p:pic>
           </mc:Fallback>
         </mc:AlternateContent>
-        <mc:AlternateContent xmlns:mc="http://schemas.openxmlformats.org/markup-compatibility/2006">
-          <mc:Choice xmlns:p14="http://schemas.microsoft.com/office/powerpoint/2010/main" Requires="p14">
+        <mc:AlternateContent xmlns:mc="http://schemas.openxmlformats.org/markup-compatibility/2006" xmlns:p14="http://schemas.microsoft.com/office/powerpoint/2010/main">
+          <mc:Choice Requires="p14">
             <p:contentPart p14:bwMode="auto" r:id="rId16">
               <p14:nvContentPartPr>
                 <p14:cNvPr id="24" name="Ink 23">
@@ -7747,7 +7783,7 @@
               </p14:xfrm>
             </p:contentPart>
           </mc:Choice>
-          <mc:Fallback>
+          <mc:Fallback xmlns="">
             <p:pic>
               <p:nvPicPr>
                 <p:cNvPr id="24" name="Ink 23">
@@ -7778,8 +7814,8 @@
             </p:pic>
           </mc:Fallback>
         </mc:AlternateContent>
-        <mc:AlternateContent xmlns:mc="http://schemas.openxmlformats.org/markup-compatibility/2006">
-          <mc:Choice xmlns:p14="http://schemas.microsoft.com/office/powerpoint/2010/main" Requires="p14">
+        <mc:AlternateContent xmlns:mc="http://schemas.openxmlformats.org/markup-compatibility/2006" xmlns:p14="http://schemas.microsoft.com/office/powerpoint/2010/main">
+          <mc:Choice Requires="p14">
             <p:contentPart p14:bwMode="auto" r:id="rId18">
               <p14:nvContentPartPr>
                 <p14:cNvPr id="25" name="Ink 24">
@@ -7798,7 +7834,7 @@
               </p14:xfrm>
             </p:contentPart>
           </mc:Choice>
-          <mc:Fallback>
+          <mc:Fallback xmlns="">
             <p:pic>
               <p:nvPicPr>
                 <p:cNvPr id="25" name="Ink 24">
@@ -7829,8 +7865,8 @@
             </p:pic>
           </mc:Fallback>
         </mc:AlternateContent>
-        <mc:AlternateContent xmlns:mc="http://schemas.openxmlformats.org/markup-compatibility/2006">
-          <mc:Choice xmlns:p14="http://schemas.microsoft.com/office/powerpoint/2010/main" Requires="p14">
+        <mc:AlternateContent xmlns:mc="http://schemas.openxmlformats.org/markup-compatibility/2006" xmlns:p14="http://schemas.microsoft.com/office/powerpoint/2010/main">
+          <mc:Choice Requires="p14">
             <p:contentPart p14:bwMode="auto" r:id="rId20">
               <p14:nvContentPartPr>
                 <p14:cNvPr id="26" name="Ink 25">
@@ -7849,7 +7885,7 @@
               </p14:xfrm>
             </p:contentPart>
           </mc:Choice>
-          <mc:Fallback>
+          <mc:Fallback xmlns="">
             <p:pic>
               <p:nvPicPr>
                 <p:cNvPr id="26" name="Ink 25">
@@ -7880,8 +7916,8 @@
             </p:pic>
           </mc:Fallback>
         </mc:AlternateContent>
-        <mc:AlternateContent xmlns:mc="http://schemas.openxmlformats.org/markup-compatibility/2006">
-          <mc:Choice xmlns:p14="http://schemas.microsoft.com/office/powerpoint/2010/main" Requires="p14">
+        <mc:AlternateContent xmlns:mc="http://schemas.openxmlformats.org/markup-compatibility/2006" xmlns:p14="http://schemas.microsoft.com/office/powerpoint/2010/main">
+          <mc:Choice Requires="p14">
             <p:contentPart p14:bwMode="auto" r:id="rId22">
               <p14:nvContentPartPr>
                 <p14:cNvPr id="27" name="Ink 26">
@@ -7900,7 +7936,7 @@
               </p14:xfrm>
             </p:contentPart>
           </mc:Choice>
-          <mc:Fallback>
+          <mc:Fallback xmlns="">
             <p:pic>
               <p:nvPicPr>
                 <p:cNvPr id="27" name="Ink 26">
@@ -7931,8 +7967,8 @@
             </p:pic>
           </mc:Fallback>
         </mc:AlternateContent>
-        <mc:AlternateContent xmlns:mc="http://schemas.openxmlformats.org/markup-compatibility/2006">
-          <mc:Choice xmlns:p14="http://schemas.microsoft.com/office/powerpoint/2010/main" Requires="p14">
+        <mc:AlternateContent xmlns:mc="http://schemas.openxmlformats.org/markup-compatibility/2006" xmlns:p14="http://schemas.microsoft.com/office/powerpoint/2010/main">
+          <mc:Choice Requires="p14">
             <p:contentPart p14:bwMode="auto" r:id="rId24">
               <p14:nvContentPartPr>
                 <p14:cNvPr id="28" name="Ink 27">
@@ -7951,7 +7987,7 @@
               </p14:xfrm>
             </p:contentPart>
           </mc:Choice>
-          <mc:Fallback>
+          <mc:Fallback xmlns="">
             <p:pic>
               <p:nvPicPr>
                 <p:cNvPr id="28" name="Ink 27">
@@ -7982,8 +8018,8 @@
             </p:pic>
           </mc:Fallback>
         </mc:AlternateContent>
-        <mc:AlternateContent xmlns:mc="http://schemas.openxmlformats.org/markup-compatibility/2006">
-          <mc:Choice xmlns:p14="http://schemas.microsoft.com/office/powerpoint/2010/main" Requires="p14">
+        <mc:AlternateContent xmlns:mc="http://schemas.openxmlformats.org/markup-compatibility/2006" xmlns:p14="http://schemas.microsoft.com/office/powerpoint/2010/main">
+          <mc:Choice Requires="p14">
             <p:contentPart p14:bwMode="auto" r:id="rId26">
               <p14:nvContentPartPr>
                 <p14:cNvPr id="29" name="Ink 28">
@@ -8002,7 +8038,7 @@
               </p14:xfrm>
             </p:contentPart>
           </mc:Choice>
-          <mc:Fallback>
+          <mc:Fallback xmlns="">
             <p:pic>
               <p:nvPicPr>
                 <p:cNvPr id="29" name="Ink 28">
@@ -8033,8 +8069,8 @@
             </p:pic>
           </mc:Fallback>
         </mc:AlternateContent>
-        <mc:AlternateContent xmlns:mc="http://schemas.openxmlformats.org/markup-compatibility/2006">
-          <mc:Choice xmlns:p14="http://schemas.microsoft.com/office/powerpoint/2010/main" Requires="p14">
+        <mc:AlternateContent xmlns:mc="http://schemas.openxmlformats.org/markup-compatibility/2006" xmlns:p14="http://schemas.microsoft.com/office/powerpoint/2010/main">
+          <mc:Choice Requires="p14">
             <p:contentPart p14:bwMode="auto" r:id="rId28">
               <p14:nvContentPartPr>
                 <p14:cNvPr id="30" name="Ink 29">
@@ -8053,7 +8089,7 @@
               </p14:xfrm>
             </p:contentPart>
           </mc:Choice>
-          <mc:Fallback>
+          <mc:Fallback xmlns="">
             <p:pic>
               <p:nvPicPr>
                 <p:cNvPr id="30" name="Ink 29">
@@ -8084,8 +8120,8 @@
             </p:pic>
           </mc:Fallback>
         </mc:AlternateContent>
-        <mc:AlternateContent xmlns:mc="http://schemas.openxmlformats.org/markup-compatibility/2006">
-          <mc:Choice xmlns:p14="http://schemas.microsoft.com/office/powerpoint/2010/main" Requires="p14">
+        <mc:AlternateContent xmlns:mc="http://schemas.openxmlformats.org/markup-compatibility/2006" xmlns:p14="http://schemas.microsoft.com/office/powerpoint/2010/main">
+          <mc:Choice Requires="p14">
             <p:contentPart p14:bwMode="auto" r:id="rId30">
               <p14:nvContentPartPr>
                 <p14:cNvPr id="31" name="Ink 30">
@@ -8104,7 +8140,7 @@
               </p14:xfrm>
             </p:contentPart>
           </mc:Choice>
-          <mc:Fallback>
+          <mc:Fallback xmlns="">
             <p:pic>
               <p:nvPicPr>
                 <p:cNvPr id="31" name="Ink 30">
@@ -8135,8 +8171,8 @@
             </p:pic>
           </mc:Fallback>
         </mc:AlternateContent>
-        <mc:AlternateContent xmlns:mc="http://schemas.openxmlformats.org/markup-compatibility/2006">
-          <mc:Choice xmlns:p14="http://schemas.microsoft.com/office/powerpoint/2010/main" Requires="p14">
+        <mc:AlternateContent xmlns:mc="http://schemas.openxmlformats.org/markup-compatibility/2006" xmlns:p14="http://schemas.microsoft.com/office/powerpoint/2010/main">
+          <mc:Choice Requires="p14">
             <p:contentPart p14:bwMode="auto" r:id="rId32">
               <p14:nvContentPartPr>
                 <p14:cNvPr id="32" name="Ink 31">
@@ -8155,7 +8191,7 @@
               </p14:xfrm>
             </p:contentPart>
           </mc:Choice>
-          <mc:Fallback>
+          <mc:Fallback xmlns="">
             <p:pic>
               <p:nvPicPr>
                 <p:cNvPr id="32" name="Ink 31">
@@ -8186,8 +8222,8 @@
             </p:pic>
           </mc:Fallback>
         </mc:AlternateContent>
-        <mc:AlternateContent xmlns:mc="http://schemas.openxmlformats.org/markup-compatibility/2006">
-          <mc:Choice xmlns:p14="http://schemas.microsoft.com/office/powerpoint/2010/main" Requires="p14">
+        <mc:AlternateContent xmlns:mc="http://schemas.openxmlformats.org/markup-compatibility/2006" xmlns:p14="http://schemas.microsoft.com/office/powerpoint/2010/main">
+          <mc:Choice Requires="p14">
             <p:contentPart p14:bwMode="auto" r:id="rId34">
               <p14:nvContentPartPr>
                 <p14:cNvPr id="33" name="Ink 32">
@@ -8206,7 +8242,7 @@
               </p14:xfrm>
             </p:contentPart>
           </mc:Choice>
-          <mc:Fallback>
+          <mc:Fallback xmlns="">
             <p:pic>
               <p:nvPicPr>
                 <p:cNvPr id="33" name="Ink 32">
@@ -8258,8 +8294,8 @@
             <a:chExt cx="1176120" cy="1168560"/>
           </a:xfrm>
         </p:grpSpPr>
-        <mc:AlternateContent xmlns:mc="http://schemas.openxmlformats.org/markup-compatibility/2006">
-          <mc:Choice xmlns:p14="http://schemas.microsoft.com/office/powerpoint/2010/main" Requires="p14">
+        <mc:AlternateContent xmlns:mc="http://schemas.openxmlformats.org/markup-compatibility/2006" xmlns:p14="http://schemas.microsoft.com/office/powerpoint/2010/main">
+          <mc:Choice Requires="p14">
             <p:contentPart p14:bwMode="auto" r:id="rId36">
               <p14:nvContentPartPr>
                 <p14:cNvPr id="35" name="Ink 34">
@@ -8278,7 +8314,7 @@
               </p14:xfrm>
             </p:contentPart>
           </mc:Choice>
-          <mc:Fallback>
+          <mc:Fallback xmlns="">
             <p:pic>
               <p:nvPicPr>
                 <p:cNvPr id="35" name="Ink 34">
@@ -8309,8 +8345,8 @@
             </p:pic>
           </mc:Fallback>
         </mc:AlternateContent>
-        <mc:AlternateContent xmlns:mc="http://schemas.openxmlformats.org/markup-compatibility/2006">
-          <mc:Choice xmlns:p14="http://schemas.microsoft.com/office/powerpoint/2010/main" Requires="p14">
+        <mc:AlternateContent xmlns:mc="http://schemas.openxmlformats.org/markup-compatibility/2006" xmlns:p14="http://schemas.microsoft.com/office/powerpoint/2010/main">
+          <mc:Choice Requires="p14">
             <p:contentPart p14:bwMode="auto" r:id="rId38">
               <p14:nvContentPartPr>
                 <p14:cNvPr id="36" name="Ink 35">
@@ -8329,7 +8365,7 @@
               </p14:xfrm>
             </p:contentPart>
           </mc:Choice>
-          <mc:Fallback>
+          <mc:Fallback xmlns="">
             <p:pic>
               <p:nvPicPr>
                 <p:cNvPr id="36" name="Ink 35">
@@ -8360,8 +8396,8 @@
             </p:pic>
           </mc:Fallback>
         </mc:AlternateContent>
-        <mc:AlternateContent xmlns:mc="http://schemas.openxmlformats.org/markup-compatibility/2006">
-          <mc:Choice xmlns:p14="http://schemas.microsoft.com/office/powerpoint/2010/main" Requires="p14">
+        <mc:AlternateContent xmlns:mc="http://schemas.openxmlformats.org/markup-compatibility/2006" xmlns:p14="http://schemas.microsoft.com/office/powerpoint/2010/main">
+          <mc:Choice Requires="p14">
             <p:contentPart p14:bwMode="auto" r:id="rId40">
               <p14:nvContentPartPr>
                 <p14:cNvPr id="38" name="Ink 37">
@@ -8380,7 +8416,7 @@
               </p14:xfrm>
             </p:contentPart>
           </mc:Choice>
-          <mc:Fallback>
+          <mc:Fallback xmlns="">
             <p:pic>
               <p:nvPicPr>
                 <p:cNvPr id="38" name="Ink 37">
@@ -8411,8 +8447,8 @@
             </p:pic>
           </mc:Fallback>
         </mc:AlternateContent>
-        <mc:AlternateContent xmlns:mc="http://schemas.openxmlformats.org/markup-compatibility/2006">
-          <mc:Choice xmlns:p14="http://schemas.microsoft.com/office/powerpoint/2010/main" Requires="p14">
+        <mc:AlternateContent xmlns:mc="http://schemas.openxmlformats.org/markup-compatibility/2006" xmlns:p14="http://schemas.microsoft.com/office/powerpoint/2010/main">
+          <mc:Choice Requires="p14">
             <p:contentPart p14:bwMode="auto" r:id="rId42">
               <p14:nvContentPartPr>
                 <p14:cNvPr id="39" name="Ink 38">
@@ -8431,7 +8467,7 @@
               </p14:xfrm>
             </p:contentPart>
           </mc:Choice>
-          <mc:Fallback>
+          <mc:Fallback xmlns="">
             <p:pic>
               <p:nvPicPr>
                 <p:cNvPr id="39" name="Ink 38">
@@ -8462,8 +8498,8 @@
             </p:pic>
           </mc:Fallback>
         </mc:AlternateContent>
-        <mc:AlternateContent xmlns:mc="http://schemas.openxmlformats.org/markup-compatibility/2006">
-          <mc:Choice xmlns:p14="http://schemas.microsoft.com/office/powerpoint/2010/main" Requires="p14">
+        <mc:AlternateContent xmlns:mc="http://schemas.openxmlformats.org/markup-compatibility/2006" xmlns:p14="http://schemas.microsoft.com/office/powerpoint/2010/main">
+          <mc:Choice Requires="p14">
             <p:contentPart p14:bwMode="auto" r:id="rId44">
               <p14:nvContentPartPr>
                 <p14:cNvPr id="40" name="Ink 39">
@@ -8482,7 +8518,7 @@
               </p14:xfrm>
             </p:contentPart>
           </mc:Choice>
-          <mc:Fallback>
+          <mc:Fallback xmlns="">
             <p:pic>
               <p:nvPicPr>
                 <p:cNvPr id="40" name="Ink 39">
@@ -8513,8 +8549,8 @@
             </p:pic>
           </mc:Fallback>
         </mc:AlternateContent>
-        <mc:AlternateContent xmlns:mc="http://schemas.openxmlformats.org/markup-compatibility/2006">
-          <mc:Choice xmlns:p14="http://schemas.microsoft.com/office/powerpoint/2010/main" Requires="p14">
+        <mc:AlternateContent xmlns:mc="http://schemas.openxmlformats.org/markup-compatibility/2006" xmlns:p14="http://schemas.microsoft.com/office/powerpoint/2010/main">
+          <mc:Choice Requires="p14">
             <p:contentPart p14:bwMode="auto" r:id="rId46">
               <p14:nvContentPartPr>
                 <p14:cNvPr id="41" name="Ink 40">
@@ -8533,7 +8569,7 @@
               </p14:xfrm>
             </p:contentPart>
           </mc:Choice>
-          <mc:Fallback>
+          <mc:Fallback xmlns="">
             <p:pic>
               <p:nvPicPr>
                 <p:cNvPr id="41" name="Ink 40">
@@ -8564,8 +8600,8 @@
             </p:pic>
           </mc:Fallback>
         </mc:AlternateContent>
-        <mc:AlternateContent xmlns:mc="http://schemas.openxmlformats.org/markup-compatibility/2006">
-          <mc:Choice xmlns:p14="http://schemas.microsoft.com/office/powerpoint/2010/main" Requires="p14">
+        <mc:AlternateContent xmlns:mc="http://schemas.openxmlformats.org/markup-compatibility/2006" xmlns:p14="http://schemas.microsoft.com/office/powerpoint/2010/main">
+          <mc:Choice Requires="p14">
             <p:contentPart p14:bwMode="auto" r:id="rId48">
               <p14:nvContentPartPr>
                 <p14:cNvPr id="42" name="Ink 41">
@@ -8584,7 +8620,7 @@
               </p14:xfrm>
             </p:contentPart>
           </mc:Choice>
-          <mc:Fallback>
+          <mc:Fallback xmlns="">
             <p:pic>
               <p:nvPicPr>
                 <p:cNvPr id="42" name="Ink 41">
@@ -8615,8 +8651,8 @@
             </p:pic>
           </mc:Fallback>
         </mc:AlternateContent>
-        <mc:AlternateContent xmlns:mc="http://schemas.openxmlformats.org/markup-compatibility/2006">
-          <mc:Choice xmlns:p14="http://schemas.microsoft.com/office/powerpoint/2010/main" Requires="p14">
+        <mc:AlternateContent xmlns:mc="http://schemas.openxmlformats.org/markup-compatibility/2006" xmlns:p14="http://schemas.microsoft.com/office/powerpoint/2010/main">
+          <mc:Choice Requires="p14">
             <p:contentPart p14:bwMode="auto" r:id="rId50">
               <p14:nvContentPartPr>
                 <p14:cNvPr id="43" name="Ink 42">
@@ -8635,7 +8671,7 @@
               </p14:xfrm>
             </p:contentPart>
           </mc:Choice>
-          <mc:Fallback>
+          <mc:Fallback xmlns="">
             <p:pic>
               <p:nvPicPr>
                 <p:cNvPr id="43" name="Ink 42">
@@ -8666,8 +8702,8 @@
             </p:pic>
           </mc:Fallback>
         </mc:AlternateContent>
-        <mc:AlternateContent xmlns:mc="http://schemas.openxmlformats.org/markup-compatibility/2006">
-          <mc:Choice xmlns:p14="http://schemas.microsoft.com/office/powerpoint/2010/main" Requires="p14">
+        <mc:AlternateContent xmlns:mc="http://schemas.openxmlformats.org/markup-compatibility/2006" xmlns:p14="http://schemas.microsoft.com/office/powerpoint/2010/main">
+          <mc:Choice Requires="p14">
             <p:contentPart p14:bwMode="auto" r:id="rId52">
               <p14:nvContentPartPr>
                 <p14:cNvPr id="44" name="Ink 43">
@@ -8686,7 +8722,7 @@
               </p14:xfrm>
             </p:contentPart>
           </mc:Choice>
-          <mc:Fallback>
+          <mc:Fallback xmlns="">
             <p:pic>
               <p:nvPicPr>
                 <p:cNvPr id="44" name="Ink 43">
@@ -8717,8 +8753,8 @@
             </p:pic>
           </mc:Fallback>
         </mc:AlternateContent>
-        <mc:AlternateContent xmlns:mc="http://schemas.openxmlformats.org/markup-compatibility/2006">
-          <mc:Choice xmlns:p14="http://schemas.microsoft.com/office/powerpoint/2010/main" Requires="p14">
+        <mc:AlternateContent xmlns:mc="http://schemas.openxmlformats.org/markup-compatibility/2006" xmlns:p14="http://schemas.microsoft.com/office/powerpoint/2010/main">
+          <mc:Choice Requires="p14">
             <p:contentPart p14:bwMode="auto" r:id="rId54">
               <p14:nvContentPartPr>
                 <p14:cNvPr id="45" name="Ink 44">
@@ -8737,7 +8773,7 @@
               </p14:xfrm>
             </p:contentPart>
           </mc:Choice>
-          <mc:Fallback>
+          <mc:Fallback xmlns="">
             <p:pic>
               <p:nvPicPr>
                 <p:cNvPr id="45" name="Ink 44">
@@ -8789,8 +8825,8 @@
             <a:chExt cx="2039760" cy="1731240"/>
           </a:xfrm>
         </p:grpSpPr>
-        <mc:AlternateContent xmlns:mc="http://schemas.openxmlformats.org/markup-compatibility/2006">
-          <mc:Choice xmlns:p14="http://schemas.microsoft.com/office/powerpoint/2010/main" Requires="p14">
+        <mc:AlternateContent xmlns:mc="http://schemas.openxmlformats.org/markup-compatibility/2006" xmlns:p14="http://schemas.microsoft.com/office/powerpoint/2010/main">
+          <mc:Choice Requires="p14">
             <p:contentPart p14:bwMode="auto" r:id="rId56">
               <p14:nvContentPartPr>
                 <p14:cNvPr id="47" name="Ink 46">
@@ -8809,7 +8845,7 @@
               </p14:xfrm>
             </p:contentPart>
           </mc:Choice>
-          <mc:Fallback>
+          <mc:Fallback xmlns="">
             <p:pic>
               <p:nvPicPr>
                 <p:cNvPr id="47" name="Ink 46">
@@ -8840,8 +8876,8 @@
             </p:pic>
           </mc:Fallback>
         </mc:AlternateContent>
-        <mc:AlternateContent xmlns:mc="http://schemas.openxmlformats.org/markup-compatibility/2006">
-          <mc:Choice xmlns:p14="http://schemas.microsoft.com/office/powerpoint/2010/main" Requires="p14">
+        <mc:AlternateContent xmlns:mc="http://schemas.openxmlformats.org/markup-compatibility/2006" xmlns:p14="http://schemas.microsoft.com/office/powerpoint/2010/main">
+          <mc:Choice Requires="p14">
             <p:contentPart p14:bwMode="auto" r:id="rId58">
               <p14:nvContentPartPr>
                 <p14:cNvPr id="48" name="Ink 47">
@@ -8860,7 +8896,7 @@
               </p14:xfrm>
             </p:contentPart>
           </mc:Choice>
-          <mc:Fallback>
+          <mc:Fallback xmlns="">
             <p:pic>
               <p:nvPicPr>
                 <p:cNvPr id="48" name="Ink 47">
@@ -8891,8 +8927,8 @@
             </p:pic>
           </mc:Fallback>
         </mc:AlternateContent>
-        <mc:AlternateContent xmlns:mc="http://schemas.openxmlformats.org/markup-compatibility/2006">
-          <mc:Choice xmlns:p14="http://schemas.microsoft.com/office/powerpoint/2010/main" Requires="p14">
+        <mc:AlternateContent xmlns:mc="http://schemas.openxmlformats.org/markup-compatibility/2006" xmlns:p14="http://schemas.microsoft.com/office/powerpoint/2010/main">
+          <mc:Choice Requires="p14">
             <p:contentPart p14:bwMode="auto" r:id="rId60">
               <p14:nvContentPartPr>
                 <p14:cNvPr id="49" name="Ink 48">
@@ -8911,7 +8947,7 @@
               </p14:xfrm>
             </p:contentPart>
           </mc:Choice>
-          <mc:Fallback>
+          <mc:Fallback xmlns="">
             <p:pic>
               <p:nvPicPr>
                 <p:cNvPr id="49" name="Ink 48">
@@ -8942,8 +8978,8 @@
             </p:pic>
           </mc:Fallback>
         </mc:AlternateContent>
-        <mc:AlternateContent xmlns:mc="http://schemas.openxmlformats.org/markup-compatibility/2006">
-          <mc:Choice xmlns:p14="http://schemas.microsoft.com/office/powerpoint/2010/main" Requires="p14">
+        <mc:AlternateContent xmlns:mc="http://schemas.openxmlformats.org/markup-compatibility/2006" xmlns:p14="http://schemas.microsoft.com/office/powerpoint/2010/main">
+          <mc:Choice Requires="p14">
             <p:contentPart p14:bwMode="auto" r:id="rId62">
               <p14:nvContentPartPr>
                 <p14:cNvPr id="51" name="Ink 50">
@@ -8962,7 +8998,7 @@
               </p14:xfrm>
             </p:contentPart>
           </mc:Choice>
-          <mc:Fallback>
+          <mc:Fallback xmlns="">
             <p:pic>
               <p:nvPicPr>
                 <p:cNvPr id="51" name="Ink 50">
@@ -8993,8 +9029,8 @@
             </p:pic>
           </mc:Fallback>
         </mc:AlternateContent>
-        <mc:AlternateContent xmlns:mc="http://schemas.openxmlformats.org/markup-compatibility/2006">
-          <mc:Choice xmlns:p14="http://schemas.microsoft.com/office/powerpoint/2010/main" Requires="p14">
+        <mc:AlternateContent xmlns:mc="http://schemas.openxmlformats.org/markup-compatibility/2006" xmlns:p14="http://schemas.microsoft.com/office/powerpoint/2010/main">
+          <mc:Choice Requires="p14">
             <p:contentPart p14:bwMode="auto" r:id="rId64">
               <p14:nvContentPartPr>
                 <p14:cNvPr id="52" name="Ink 51">
@@ -9013,7 +9049,7 @@
               </p14:xfrm>
             </p:contentPart>
           </mc:Choice>
-          <mc:Fallback>
+          <mc:Fallback xmlns="">
             <p:pic>
               <p:nvPicPr>
                 <p:cNvPr id="52" name="Ink 51">
@@ -9044,8 +9080,8 @@
             </p:pic>
           </mc:Fallback>
         </mc:AlternateContent>
-        <mc:AlternateContent xmlns:mc="http://schemas.openxmlformats.org/markup-compatibility/2006">
-          <mc:Choice xmlns:p14="http://schemas.microsoft.com/office/powerpoint/2010/main" Requires="p14">
+        <mc:AlternateContent xmlns:mc="http://schemas.openxmlformats.org/markup-compatibility/2006" xmlns:p14="http://schemas.microsoft.com/office/powerpoint/2010/main">
+          <mc:Choice Requires="p14">
             <p:contentPart p14:bwMode="auto" r:id="rId66">
               <p14:nvContentPartPr>
                 <p14:cNvPr id="53" name="Ink 52">
@@ -9064,7 +9100,7 @@
               </p14:xfrm>
             </p:contentPart>
           </mc:Choice>
-          <mc:Fallback>
+          <mc:Fallback xmlns="">
             <p:pic>
               <p:nvPicPr>
                 <p:cNvPr id="53" name="Ink 52">
@@ -9095,8 +9131,8 @@
             </p:pic>
           </mc:Fallback>
         </mc:AlternateContent>
-        <mc:AlternateContent xmlns:mc="http://schemas.openxmlformats.org/markup-compatibility/2006">
-          <mc:Choice xmlns:p14="http://schemas.microsoft.com/office/powerpoint/2010/main" Requires="p14">
+        <mc:AlternateContent xmlns:mc="http://schemas.openxmlformats.org/markup-compatibility/2006" xmlns:p14="http://schemas.microsoft.com/office/powerpoint/2010/main">
+          <mc:Choice Requires="p14">
             <p:contentPart p14:bwMode="auto" r:id="rId68">
               <p14:nvContentPartPr>
                 <p14:cNvPr id="54" name="Ink 53">
@@ -9115,7 +9151,7 @@
               </p14:xfrm>
             </p:contentPart>
           </mc:Choice>
-          <mc:Fallback>
+          <mc:Fallback xmlns="">
             <p:pic>
               <p:nvPicPr>
                 <p:cNvPr id="54" name="Ink 53">
@@ -9146,8 +9182,8 @@
             </p:pic>
           </mc:Fallback>
         </mc:AlternateContent>
-        <mc:AlternateContent xmlns:mc="http://schemas.openxmlformats.org/markup-compatibility/2006">
-          <mc:Choice xmlns:p14="http://schemas.microsoft.com/office/powerpoint/2010/main" Requires="p14">
+        <mc:AlternateContent xmlns:mc="http://schemas.openxmlformats.org/markup-compatibility/2006" xmlns:p14="http://schemas.microsoft.com/office/powerpoint/2010/main">
+          <mc:Choice Requires="p14">
             <p:contentPart p14:bwMode="auto" r:id="rId70">
               <p14:nvContentPartPr>
                 <p14:cNvPr id="55" name="Ink 54">
@@ -9166,7 +9202,7 @@
               </p14:xfrm>
             </p:contentPart>
           </mc:Choice>
-          <mc:Fallback>
+          <mc:Fallback xmlns="">
             <p:pic>
               <p:nvPicPr>
                 <p:cNvPr id="55" name="Ink 54">
@@ -9197,8 +9233,8 @@
             </p:pic>
           </mc:Fallback>
         </mc:AlternateContent>
-        <mc:AlternateContent xmlns:mc="http://schemas.openxmlformats.org/markup-compatibility/2006">
-          <mc:Choice xmlns:p14="http://schemas.microsoft.com/office/powerpoint/2010/main" Requires="p14">
+        <mc:AlternateContent xmlns:mc="http://schemas.openxmlformats.org/markup-compatibility/2006" xmlns:p14="http://schemas.microsoft.com/office/powerpoint/2010/main">
+          <mc:Choice Requires="p14">
             <p:contentPart p14:bwMode="auto" r:id="rId72">
               <p14:nvContentPartPr>
                 <p14:cNvPr id="56" name="Ink 55">
@@ -9217,7 +9253,7 @@
               </p14:xfrm>
             </p:contentPart>
           </mc:Choice>
-          <mc:Fallback>
+          <mc:Fallback xmlns="">
             <p:pic>
               <p:nvPicPr>
                 <p:cNvPr id="56" name="Ink 55">
@@ -9248,8 +9284,8 @@
             </p:pic>
           </mc:Fallback>
         </mc:AlternateContent>
-        <mc:AlternateContent xmlns:mc="http://schemas.openxmlformats.org/markup-compatibility/2006">
-          <mc:Choice xmlns:p14="http://schemas.microsoft.com/office/powerpoint/2010/main" Requires="p14">
+        <mc:AlternateContent xmlns:mc="http://schemas.openxmlformats.org/markup-compatibility/2006" xmlns:p14="http://schemas.microsoft.com/office/powerpoint/2010/main">
+          <mc:Choice Requires="p14">
             <p:contentPart p14:bwMode="auto" r:id="rId74">
               <p14:nvContentPartPr>
                 <p14:cNvPr id="57" name="Ink 56">
@@ -9268,7 +9304,7 @@
               </p14:xfrm>
             </p:contentPart>
           </mc:Choice>
-          <mc:Fallback>
+          <mc:Fallback xmlns="">
             <p:pic>
               <p:nvPicPr>
                 <p:cNvPr id="57" name="Ink 56">
@@ -9299,8 +9335,8 @@
             </p:pic>
           </mc:Fallback>
         </mc:AlternateContent>
-        <mc:AlternateContent xmlns:mc="http://schemas.openxmlformats.org/markup-compatibility/2006">
-          <mc:Choice xmlns:p14="http://schemas.microsoft.com/office/powerpoint/2010/main" Requires="p14">
+        <mc:AlternateContent xmlns:mc="http://schemas.openxmlformats.org/markup-compatibility/2006" xmlns:p14="http://schemas.microsoft.com/office/powerpoint/2010/main">
+          <mc:Choice Requires="p14">
             <p:contentPart p14:bwMode="auto" r:id="rId76">
               <p14:nvContentPartPr>
                 <p14:cNvPr id="58" name="Ink 57">
@@ -9319,7 +9355,7 @@
               </p14:xfrm>
             </p:contentPart>
           </mc:Choice>
-          <mc:Fallback>
+          <mc:Fallback xmlns="">
             <p:pic>
               <p:nvPicPr>
                 <p:cNvPr id="58" name="Ink 57">
@@ -9350,8 +9386,8 @@
             </p:pic>
           </mc:Fallback>
         </mc:AlternateContent>
-        <mc:AlternateContent xmlns:mc="http://schemas.openxmlformats.org/markup-compatibility/2006">
-          <mc:Choice xmlns:p14="http://schemas.microsoft.com/office/powerpoint/2010/main" Requires="p14">
+        <mc:AlternateContent xmlns:mc="http://schemas.openxmlformats.org/markup-compatibility/2006" xmlns:p14="http://schemas.microsoft.com/office/powerpoint/2010/main">
+          <mc:Choice Requires="p14">
             <p:contentPart p14:bwMode="auto" r:id="rId78">
               <p14:nvContentPartPr>
                 <p14:cNvPr id="59" name="Ink 58">
@@ -9370,7 +9406,7 @@
               </p14:xfrm>
             </p:contentPart>
           </mc:Choice>
-          <mc:Fallback>
+          <mc:Fallback xmlns="">
             <p:pic>
               <p:nvPicPr>
                 <p:cNvPr id="59" name="Ink 58">
@@ -9401,8 +9437,8 @@
             </p:pic>
           </mc:Fallback>
         </mc:AlternateContent>
-        <mc:AlternateContent xmlns:mc="http://schemas.openxmlformats.org/markup-compatibility/2006">
-          <mc:Choice xmlns:p14="http://schemas.microsoft.com/office/powerpoint/2010/main" Requires="p14">
+        <mc:AlternateContent xmlns:mc="http://schemas.openxmlformats.org/markup-compatibility/2006" xmlns:p14="http://schemas.microsoft.com/office/powerpoint/2010/main">
+          <mc:Choice Requires="p14">
             <p:contentPart p14:bwMode="auto" r:id="rId80">
               <p14:nvContentPartPr>
                 <p14:cNvPr id="61" name="Ink 60">
@@ -9421,7 +9457,7 @@
               </p14:xfrm>
             </p:contentPart>
           </mc:Choice>
-          <mc:Fallback>
+          <mc:Fallback xmlns="">
             <p:pic>
               <p:nvPicPr>
                 <p:cNvPr id="61" name="Ink 60">
@@ -9452,8 +9488,8 @@
             </p:pic>
           </mc:Fallback>
         </mc:AlternateContent>
-        <mc:AlternateContent xmlns:mc="http://schemas.openxmlformats.org/markup-compatibility/2006">
-          <mc:Choice xmlns:p14="http://schemas.microsoft.com/office/powerpoint/2010/main" Requires="p14">
+        <mc:AlternateContent xmlns:mc="http://schemas.openxmlformats.org/markup-compatibility/2006" xmlns:p14="http://schemas.microsoft.com/office/powerpoint/2010/main">
+          <mc:Choice Requires="p14">
             <p:contentPart p14:bwMode="auto" r:id="rId82">
               <p14:nvContentPartPr>
                 <p14:cNvPr id="62" name="Ink 61">
@@ -9472,7 +9508,7 @@
               </p14:xfrm>
             </p:contentPart>
           </mc:Choice>
-          <mc:Fallback>
+          <mc:Fallback xmlns="">
             <p:pic>
               <p:nvPicPr>
                 <p:cNvPr id="62" name="Ink 61">
@@ -9503,8 +9539,8 @@
             </p:pic>
           </mc:Fallback>
         </mc:AlternateContent>
-        <mc:AlternateContent xmlns:mc="http://schemas.openxmlformats.org/markup-compatibility/2006">
-          <mc:Choice xmlns:p14="http://schemas.microsoft.com/office/powerpoint/2010/main" Requires="p14">
+        <mc:AlternateContent xmlns:mc="http://schemas.openxmlformats.org/markup-compatibility/2006" xmlns:p14="http://schemas.microsoft.com/office/powerpoint/2010/main">
+          <mc:Choice Requires="p14">
             <p:contentPart p14:bwMode="auto" r:id="rId84">
               <p14:nvContentPartPr>
                 <p14:cNvPr id="63" name="Ink 62">
@@ -9523,7 +9559,7 @@
               </p14:xfrm>
             </p:contentPart>
           </mc:Choice>
-          <mc:Fallback>
+          <mc:Fallback xmlns="">
             <p:pic>
               <p:nvPicPr>
                 <p:cNvPr id="63" name="Ink 62">
@@ -9554,8 +9590,8 @@
             </p:pic>
           </mc:Fallback>
         </mc:AlternateContent>
-        <mc:AlternateContent xmlns:mc="http://schemas.openxmlformats.org/markup-compatibility/2006">
-          <mc:Choice xmlns:p14="http://schemas.microsoft.com/office/powerpoint/2010/main" Requires="p14">
+        <mc:AlternateContent xmlns:mc="http://schemas.openxmlformats.org/markup-compatibility/2006" xmlns:p14="http://schemas.microsoft.com/office/powerpoint/2010/main">
+          <mc:Choice Requires="p14">
             <p:contentPart p14:bwMode="auto" r:id="rId86">
               <p14:nvContentPartPr>
                 <p14:cNvPr id="64" name="Ink 63">
@@ -9574,7 +9610,7 @@
               </p14:xfrm>
             </p:contentPart>
           </mc:Choice>
-          <mc:Fallback>
+          <mc:Fallback xmlns="">
             <p:pic>
               <p:nvPicPr>
                 <p:cNvPr id="64" name="Ink 63">
@@ -9605,8 +9641,8 @@
             </p:pic>
           </mc:Fallback>
         </mc:AlternateContent>
-        <mc:AlternateContent xmlns:mc="http://schemas.openxmlformats.org/markup-compatibility/2006">
-          <mc:Choice xmlns:p14="http://schemas.microsoft.com/office/powerpoint/2010/main" Requires="p14">
+        <mc:AlternateContent xmlns:mc="http://schemas.openxmlformats.org/markup-compatibility/2006" xmlns:p14="http://schemas.microsoft.com/office/powerpoint/2010/main">
+          <mc:Choice Requires="p14">
             <p:contentPart p14:bwMode="auto" r:id="rId88">
               <p14:nvContentPartPr>
                 <p14:cNvPr id="66" name="Ink 65">
@@ -9625,7 +9661,7 @@
               </p14:xfrm>
             </p:contentPart>
           </mc:Choice>
-          <mc:Fallback>
+          <mc:Fallback xmlns="">
             <p:pic>
               <p:nvPicPr>
                 <p:cNvPr id="66" name="Ink 65">
@@ -9656,8 +9692,8 @@
             </p:pic>
           </mc:Fallback>
         </mc:AlternateContent>
-        <mc:AlternateContent xmlns:mc="http://schemas.openxmlformats.org/markup-compatibility/2006">
-          <mc:Choice xmlns:p14="http://schemas.microsoft.com/office/powerpoint/2010/main" Requires="p14">
+        <mc:AlternateContent xmlns:mc="http://schemas.openxmlformats.org/markup-compatibility/2006" xmlns:p14="http://schemas.microsoft.com/office/powerpoint/2010/main">
+          <mc:Choice Requires="p14">
             <p:contentPart p14:bwMode="auto" r:id="rId90">
               <p14:nvContentPartPr>
                 <p14:cNvPr id="67" name="Ink 66">
@@ -9676,7 +9712,7 @@
               </p14:xfrm>
             </p:contentPart>
           </mc:Choice>
-          <mc:Fallback>
+          <mc:Fallback xmlns="">
             <p:pic>
               <p:nvPicPr>
                 <p:cNvPr id="67" name="Ink 66">
@@ -9707,8 +9743,8 @@
             </p:pic>
           </mc:Fallback>
         </mc:AlternateContent>
-        <mc:AlternateContent xmlns:mc="http://schemas.openxmlformats.org/markup-compatibility/2006">
-          <mc:Choice xmlns:p14="http://schemas.microsoft.com/office/powerpoint/2010/main" Requires="p14">
+        <mc:AlternateContent xmlns:mc="http://schemas.openxmlformats.org/markup-compatibility/2006" xmlns:p14="http://schemas.microsoft.com/office/powerpoint/2010/main">
+          <mc:Choice Requires="p14">
             <p:contentPart p14:bwMode="auto" r:id="rId92">
               <p14:nvContentPartPr>
                 <p14:cNvPr id="68" name="Ink 67">
@@ -9727,7 +9763,7 @@
               </p14:xfrm>
             </p:contentPart>
           </mc:Choice>
-          <mc:Fallback>
+          <mc:Fallback xmlns="">
             <p:pic>
               <p:nvPicPr>
                 <p:cNvPr id="68" name="Ink 67">
@@ -9758,8 +9794,8 @@
             </p:pic>
           </mc:Fallback>
         </mc:AlternateContent>
-        <mc:AlternateContent xmlns:mc="http://schemas.openxmlformats.org/markup-compatibility/2006">
-          <mc:Choice xmlns:p14="http://schemas.microsoft.com/office/powerpoint/2010/main" Requires="p14">
+        <mc:AlternateContent xmlns:mc="http://schemas.openxmlformats.org/markup-compatibility/2006" xmlns:p14="http://schemas.microsoft.com/office/powerpoint/2010/main">
+          <mc:Choice Requires="p14">
             <p:contentPart p14:bwMode="auto" r:id="rId94">
               <p14:nvContentPartPr>
                 <p14:cNvPr id="69" name="Ink 68">
@@ -9778,7 +9814,7 @@
               </p14:xfrm>
             </p:contentPart>
           </mc:Choice>
-          <mc:Fallback>
+          <mc:Fallback xmlns="">
             <p:pic>
               <p:nvPicPr>
                 <p:cNvPr id="69" name="Ink 68">
@@ -9809,8 +9845,8 @@
             </p:pic>
           </mc:Fallback>
         </mc:AlternateContent>
-        <mc:AlternateContent xmlns:mc="http://schemas.openxmlformats.org/markup-compatibility/2006">
-          <mc:Choice xmlns:p14="http://schemas.microsoft.com/office/powerpoint/2010/main" Requires="p14">
+        <mc:AlternateContent xmlns:mc="http://schemas.openxmlformats.org/markup-compatibility/2006" xmlns:p14="http://schemas.microsoft.com/office/powerpoint/2010/main">
+          <mc:Choice Requires="p14">
             <p:contentPart p14:bwMode="auto" r:id="rId96">
               <p14:nvContentPartPr>
                 <p14:cNvPr id="70" name="Ink 69">
@@ -9829,7 +9865,7 @@
               </p14:xfrm>
             </p:contentPart>
           </mc:Choice>
-          <mc:Fallback>
+          <mc:Fallback xmlns="">
             <p:pic>
               <p:nvPicPr>
                 <p:cNvPr id="70" name="Ink 69">
@@ -9860,8 +9896,8 @@
             </p:pic>
           </mc:Fallback>
         </mc:AlternateContent>
-        <mc:AlternateContent xmlns:mc="http://schemas.openxmlformats.org/markup-compatibility/2006">
-          <mc:Choice xmlns:p14="http://schemas.microsoft.com/office/powerpoint/2010/main" Requires="p14">
+        <mc:AlternateContent xmlns:mc="http://schemas.openxmlformats.org/markup-compatibility/2006" xmlns:p14="http://schemas.microsoft.com/office/powerpoint/2010/main">
+          <mc:Choice Requires="p14">
             <p:contentPart p14:bwMode="auto" r:id="rId98">
               <p14:nvContentPartPr>
                 <p14:cNvPr id="71" name="Ink 70">
@@ -9880,7 +9916,7 @@
               </p14:xfrm>
             </p:contentPart>
           </mc:Choice>
-          <mc:Fallback>
+          <mc:Fallback xmlns="">
             <p:pic>
               <p:nvPicPr>
                 <p:cNvPr id="71" name="Ink 70">
@@ -9911,8 +9947,8 @@
             </p:pic>
           </mc:Fallback>
         </mc:AlternateContent>
-        <mc:AlternateContent xmlns:mc="http://schemas.openxmlformats.org/markup-compatibility/2006">
-          <mc:Choice xmlns:p14="http://schemas.microsoft.com/office/powerpoint/2010/main" Requires="p14">
+        <mc:AlternateContent xmlns:mc="http://schemas.openxmlformats.org/markup-compatibility/2006" xmlns:p14="http://schemas.microsoft.com/office/powerpoint/2010/main">
+          <mc:Choice Requires="p14">
             <p:contentPart p14:bwMode="auto" r:id="rId100">
               <p14:nvContentPartPr>
                 <p14:cNvPr id="72" name="Ink 71">
@@ -9931,7 +9967,7 @@
               </p14:xfrm>
             </p:contentPart>
           </mc:Choice>
-          <mc:Fallback>
+          <mc:Fallback xmlns="">
             <p:pic>
               <p:nvPicPr>
                 <p:cNvPr id="72" name="Ink 71">
@@ -9962,8 +9998,8 @@
             </p:pic>
           </mc:Fallback>
         </mc:AlternateContent>
-        <mc:AlternateContent xmlns:mc="http://schemas.openxmlformats.org/markup-compatibility/2006">
-          <mc:Choice xmlns:p14="http://schemas.microsoft.com/office/powerpoint/2010/main" Requires="p14">
+        <mc:AlternateContent xmlns:mc="http://schemas.openxmlformats.org/markup-compatibility/2006" xmlns:p14="http://schemas.microsoft.com/office/powerpoint/2010/main">
+          <mc:Choice Requires="p14">
             <p:contentPart p14:bwMode="auto" r:id="rId102">
               <p14:nvContentPartPr>
                 <p14:cNvPr id="73" name="Ink 72">
@@ -9982,7 +10018,7 @@
               </p14:xfrm>
             </p:contentPart>
           </mc:Choice>
-          <mc:Fallback>
+          <mc:Fallback xmlns="">
             <p:pic>
               <p:nvPicPr>
                 <p:cNvPr id="73" name="Ink 72">
@@ -10234,6 +10270,42 @@
           </a:p>
         </p:txBody>
       </p:sp>
+      <p:pic>
+        <p:nvPicPr>
+          <p:cNvPr id="6" name="Picture 5">
+            <a:extLst>
+              <a:ext uri="{FF2B5EF4-FFF2-40B4-BE49-F238E27FC236}">
+                <a16:creationId xmlns:a16="http://schemas.microsoft.com/office/drawing/2014/main" id="{D6B592A6-015E-240C-E6AC-45C4A66A8D91}"/>
+              </a:ext>
+            </a:extLst>
+          </p:cNvPr>
+          <p:cNvPicPr>
+            <a:picLocks noChangeAspect="1"/>
+          </p:cNvPicPr>
+          <p:nvPr/>
+        </p:nvPicPr>
+        <p:blipFill>
+          <a:blip r:embed="rId5" cstate="print">
+            <a:extLst>
+              <a:ext uri="{28A0092B-C50C-407E-A947-70E740481C1C}">
+                <a14:useLocalDpi xmlns:a14="http://schemas.microsoft.com/office/drawing/2010/main" val="0"/>
+              </a:ext>
+            </a:extLst>
+          </a:blip>
+          <a:stretch>
+            <a:fillRect/>
+          </a:stretch>
+        </p:blipFill>
+        <p:spPr>
+          <a:xfrm>
+            <a:off x="9004852" y="1"/>
+            <a:ext cx="3125372" cy="842386"/>
+          </a:xfrm>
+          <a:prstGeom prst="rect">
+            <a:avLst/>
+          </a:prstGeom>
+        </p:spPr>
+      </p:pic>
     </p:spTree>
   </p:cSld>
   <p:clrMapOvr>
@@ -10680,8 +10752,8 @@
         </p:nvSpPr>
         <p:spPr>
           <a:xfrm>
-            <a:off x="6096000" y="5736105"/>
-            <a:ext cx="5898587" cy="923330"/>
+            <a:off x="6096000" y="5002585"/>
+            <a:ext cx="5898587" cy="830997"/>
           </a:xfrm>
           <a:prstGeom prst="rect">
             <a:avLst/>
@@ -10702,19 +10774,15 @@
           <a:lstStyle/>
           <a:p>
             <a:r>
-              <a:rPr lang="en-GB" b="1" dirty="0" err="1"/>
-              <a:t>Github</a:t>
-            </a:r>
-            <a:r>
-              <a:rPr lang="en-GB" b="1" dirty="0"/>
-              <a:t> Code Link:</a:t>
-            </a:r>
-          </a:p>
-          <a:p>
-            <a:r>
-              <a:rPr lang="en-GB" sz="1200" b="1" dirty="0"/>
-              <a:t>(1) https://github.com/info-zas/Training/tree/main/GPREC/03_Communications/01_Code/01_Comm_Kit_RFIDCardInfo</a:t>
-            </a:r>
+              <a:rPr lang="en-GB" sz="1200" b="1" dirty="0">
+                <a:hlinkClick r:id="rId3"/>
+              </a:rPr>
+              <a:t>https://github.com/info-zas/zas-robotics-communications/blob/main/01_FoundationProjects/CFL03_RFID_Card_Read_Access/CFL03_RFID_Card_Info/CFL03_RFID_Card_Info.ino</a:t>
+            </a:r>
+            <a:endParaRPr lang="en-GB" sz="1200" b="1" dirty="0"/>
+          </a:p>
+          <a:p>
+            <a:endParaRPr lang="en-GB" sz="1200" b="1" dirty="0"/>
           </a:p>
         </p:txBody>
       </p:sp>
@@ -10795,7 +10863,7 @@
         </p:nvSpPr>
         <p:spPr bwMode="auto">
           <a:xfrm>
-            <a:off x="6017822" y="5366773"/>
+            <a:off x="6037366" y="4668683"/>
             <a:ext cx="5146467" cy="369332"/>
           </a:xfrm>
           <a:prstGeom prst="rect">
@@ -10928,7 +10996,7 @@
           <p:nvPr/>
         </p:nvPicPr>
         <p:blipFill>
-          <a:blip r:embed="rId3">
+          <a:blip r:embed="rId4">
             <a:extLst>
               <a:ext uri="{28A0092B-C50C-407E-A947-70E740481C1C}">
                 <a14:useLocalDpi xmlns:a14="http://schemas.microsoft.com/office/drawing/2010/main" val="0"/>
@@ -10943,6 +11011,42 @@
           <a:xfrm>
             <a:off x="6148403" y="1121634"/>
             <a:ext cx="5390505" cy="3032159"/>
+          </a:xfrm>
+          <a:prstGeom prst="rect">
+            <a:avLst/>
+          </a:prstGeom>
+        </p:spPr>
+      </p:pic>
+      <p:pic>
+        <p:nvPicPr>
+          <p:cNvPr id="3" name="Picture 2">
+            <a:extLst>
+              <a:ext uri="{FF2B5EF4-FFF2-40B4-BE49-F238E27FC236}">
+                <a16:creationId xmlns:a16="http://schemas.microsoft.com/office/drawing/2014/main" id="{FB791082-9E97-7DA7-731E-00E214B866B2}"/>
+              </a:ext>
+            </a:extLst>
+          </p:cNvPr>
+          <p:cNvPicPr>
+            <a:picLocks noChangeAspect="1"/>
+          </p:cNvPicPr>
+          <p:nvPr/>
+        </p:nvPicPr>
+        <p:blipFill>
+          <a:blip r:embed="rId5" cstate="print">
+            <a:extLst>
+              <a:ext uri="{28A0092B-C50C-407E-A947-70E740481C1C}">
+                <a14:useLocalDpi xmlns:a14="http://schemas.microsoft.com/office/drawing/2010/main" val="0"/>
+              </a:ext>
+            </a:extLst>
+          </a:blip>
+          <a:stretch>
+            <a:fillRect/>
+          </a:stretch>
+        </p:blipFill>
+        <p:spPr>
+          <a:xfrm>
+            <a:off x="9004852" y="1"/>
+            <a:ext cx="3125372" cy="842386"/>
           </a:xfrm>
           <a:prstGeom prst="rect">
             <a:avLst/>
@@ -11100,7 +11204,7 @@
         </p:blipFill>
         <p:spPr bwMode="auto">
           <a:xfrm>
-            <a:off x="996596" y="1586380"/>
+            <a:off x="997676" y="1761178"/>
             <a:ext cx="4297834" cy="4272006"/>
           </a:xfrm>
           <a:prstGeom prst="rect">
@@ -11152,7 +11256,7 @@
         </p:nvSpPr>
         <p:spPr>
           <a:xfrm>
-            <a:off x="996596" y="5922702"/>
+            <a:off x="917938" y="1173721"/>
             <a:ext cx="4297834" cy="646331"/>
           </a:xfrm>
           <a:prstGeom prst="rect">
@@ -11167,22 +11271,18 @@
           <a:lstStyle/>
           <a:p>
             <a:r>
-              <a:rPr lang="en-US" i="1" dirty="0"/>
-              <a:t>With RFID Card (Proximity Card</a:t>
-            </a:r>
-            <a:r>
-              <a:rPr lang="en-US" dirty="0"/>
-              <a:t> or </a:t>
-            </a:r>
-            <a:r>
-              <a:rPr lang="en-US" i="1" dirty="0"/>
-              <a:t>RFID Smart Card</a:t>
-            </a:r>
-            <a:r>
-              <a:rPr lang="en-US" dirty="0"/>
-              <a:t>)</a:t>
-            </a:r>
-            <a:endParaRPr lang="en-GB" dirty="0"/>
+              <a:rPr lang="en-US" b="1" dirty="0">
+                <a:solidFill>
+                  <a:srgbClr val="00B0F0"/>
+                </a:solidFill>
+              </a:rPr>
+              <a:t>With RFID Card (Proximity Card or RFID Smart Card)</a:t>
+            </a:r>
+            <a:endParaRPr lang="en-GB" b="1" dirty="0">
+              <a:solidFill>
+                <a:srgbClr val="00B0F0"/>
+              </a:solidFill>
+            </a:endParaRPr>
           </a:p>
         </p:txBody>
       </p:sp>
@@ -11200,7 +11300,7 @@
         </p:nvSpPr>
         <p:spPr>
           <a:xfrm>
-            <a:off x="6311313" y="6033184"/>
+            <a:off x="6231575" y="1307701"/>
             <a:ext cx="4297834" cy="369332"/>
           </a:xfrm>
           <a:prstGeom prst="rect">
@@ -11215,16 +11315,60 @@
           <a:lstStyle/>
           <a:p>
             <a:r>
-              <a:rPr lang="en-US" i="1" dirty="0"/>
+              <a:rPr lang="en-US" b="1" dirty="0">
+                <a:solidFill>
+                  <a:srgbClr val="00B0F0"/>
+                </a:solidFill>
+              </a:rPr>
               <a:t>With </a:t>
             </a:r>
             <a:r>
-              <a:rPr lang="en-GB" dirty="0"/>
+              <a:rPr lang="en-GB" b="1" dirty="0">
+                <a:solidFill>
+                  <a:srgbClr val="00B0F0"/>
+                </a:solidFill>
+              </a:rPr>
               <a:t>Blue Key Fob</a:t>
             </a:r>
           </a:p>
         </p:txBody>
       </p:sp>
+      <p:pic>
+        <p:nvPicPr>
+          <p:cNvPr id="3" name="Picture 2">
+            <a:extLst>
+              <a:ext uri="{FF2B5EF4-FFF2-40B4-BE49-F238E27FC236}">
+                <a16:creationId xmlns:a16="http://schemas.microsoft.com/office/drawing/2014/main" id="{36B5F833-036C-7D2A-ED16-B0C06BB3C789}"/>
+              </a:ext>
+            </a:extLst>
+          </p:cNvPr>
+          <p:cNvPicPr>
+            <a:picLocks noChangeAspect="1"/>
+          </p:cNvPicPr>
+          <p:nvPr/>
+        </p:nvPicPr>
+        <p:blipFill>
+          <a:blip r:embed="rId4" cstate="print">
+            <a:extLst>
+              <a:ext uri="{28A0092B-C50C-407E-A947-70E740481C1C}">
+                <a14:useLocalDpi xmlns:a14="http://schemas.microsoft.com/office/drawing/2010/main" val="0"/>
+              </a:ext>
+            </a:extLst>
+          </a:blip>
+          <a:stretch>
+            <a:fillRect/>
+          </a:stretch>
+        </p:blipFill>
+        <p:spPr>
+          <a:xfrm>
+            <a:off x="9004852" y="1"/>
+            <a:ext cx="3125372" cy="842386"/>
+          </a:xfrm>
+          <a:prstGeom prst="rect">
+            <a:avLst/>
+          </a:prstGeom>
+        </p:spPr>
+      </p:pic>
     </p:spTree>
     <p:extLst>
       <p:ext uri="{BB962C8B-B14F-4D97-AF65-F5344CB8AC3E}">
@@ -11386,7 +11530,7 @@
         </p:blipFill>
         <p:spPr>
           <a:xfrm>
-            <a:off x="6899544" y="1504335"/>
+            <a:off x="6891226" y="1244706"/>
             <a:ext cx="4227251" cy="4176987"/>
           </a:xfrm>
           <a:prstGeom prst="rect">
@@ -11523,7 +11667,387 @@
         </p:nvSpPr>
         <p:spPr bwMode="auto">
           <a:xfrm>
-            <a:off x="6308113" y="5824012"/>
+            <a:off x="6622745" y="5508049"/>
+            <a:ext cx="5146467" cy="1015663"/>
+          </a:xfrm>
+          <a:prstGeom prst="rect">
+            <a:avLst/>
+          </a:prstGeom>
+          <a:noFill/>
+          <a:ln>
+            <a:solidFill>
+              <a:schemeClr val="accent1">
+                <a:lumMod val="75000"/>
+              </a:schemeClr>
+            </a:solidFill>
+          </a:ln>
+        </p:spPr>
+        <p:txBody>
+          <a:bodyPr wrap="square" rtlCol="0">
+            <a:spAutoFit/>
+          </a:bodyPr>
+          <a:lstStyle>
+            <a:defPPr>
+              <a:defRPr lang="en-US"/>
+            </a:defPPr>
+            <a:lvl1pPr>
+              <a:defRPr sz="1200" b="1"/>
+            </a:lvl1pPr>
+            <a:lvl2pPr marL="457200" algn="l" defTabSz="914400" rtl="0" eaLnBrk="1" latinLnBrk="0" hangingPunct="1">
+              <a:defRPr sz="1800" kern="1200">
+                <a:solidFill>
+                  <a:schemeClr val="tx1"/>
+                </a:solidFill>
+                <a:latin typeface="+mn-lt"/>
+                <a:ea typeface="+mn-ea"/>
+                <a:cs typeface="+mn-cs"/>
+              </a:defRPr>
+            </a:lvl2pPr>
+            <a:lvl3pPr marL="914400" algn="l" defTabSz="914400" rtl="0" eaLnBrk="1" latinLnBrk="0" hangingPunct="1">
+              <a:defRPr sz="1800" kern="1200">
+                <a:solidFill>
+                  <a:schemeClr val="tx1"/>
+                </a:solidFill>
+                <a:latin typeface="+mn-lt"/>
+                <a:ea typeface="+mn-ea"/>
+                <a:cs typeface="+mn-cs"/>
+              </a:defRPr>
+            </a:lvl3pPr>
+            <a:lvl4pPr marL="1371600" algn="l" defTabSz="914400" rtl="0" eaLnBrk="1" latinLnBrk="0" hangingPunct="1">
+              <a:defRPr sz="1800" kern="1200">
+                <a:solidFill>
+                  <a:schemeClr val="tx1"/>
+                </a:solidFill>
+                <a:latin typeface="+mn-lt"/>
+                <a:ea typeface="+mn-ea"/>
+                <a:cs typeface="+mn-cs"/>
+              </a:defRPr>
+            </a:lvl4pPr>
+            <a:lvl5pPr marL="1828800" algn="l" defTabSz="914400" rtl="0" eaLnBrk="1" latinLnBrk="0" hangingPunct="1">
+              <a:defRPr sz="1800" kern="1200">
+                <a:solidFill>
+                  <a:schemeClr val="tx1"/>
+                </a:solidFill>
+                <a:latin typeface="+mn-lt"/>
+                <a:ea typeface="+mn-ea"/>
+                <a:cs typeface="+mn-cs"/>
+              </a:defRPr>
+            </a:lvl5pPr>
+            <a:lvl6pPr marL="2286000" algn="l" defTabSz="914400" rtl="0" eaLnBrk="1" latinLnBrk="0" hangingPunct="1">
+              <a:defRPr sz="1800" kern="1200">
+                <a:solidFill>
+                  <a:schemeClr val="tx1"/>
+                </a:solidFill>
+                <a:latin typeface="+mn-lt"/>
+                <a:ea typeface="+mn-ea"/>
+                <a:cs typeface="+mn-cs"/>
+              </a:defRPr>
+            </a:lvl6pPr>
+            <a:lvl7pPr marL="2743200" algn="l" defTabSz="914400" rtl="0" eaLnBrk="1" latinLnBrk="0" hangingPunct="1">
+              <a:defRPr sz="1800" kern="1200">
+                <a:solidFill>
+                  <a:schemeClr val="tx1"/>
+                </a:solidFill>
+                <a:latin typeface="+mn-lt"/>
+                <a:ea typeface="+mn-ea"/>
+                <a:cs typeface="+mn-cs"/>
+              </a:defRPr>
+            </a:lvl7pPr>
+            <a:lvl8pPr marL="3200400" algn="l" defTabSz="914400" rtl="0" eaLnBrk="1" latinLnBrk="0" hangingPunct="1">
+              <a:defRPr sz="1800" kern="1200">
+                <a:solidFill>
+                  <a:schemeClr val="tx1"/>
+                </a:solidFill>
+                <a:latin typeface="+mn-lt"/>
+                <a:ea typeface="+mn-ea"/>
+                <a:cs typeface="+mn-cs"/>
+              </a:defRPr>
+            </a:lvl8pPr>
+            <a:lvl9pPr marL="3657600" algn="l" defTabSz="914400" rtl="0" eaLnBrk="1" latinLnBrk="0" hangingPunct="1">
+              <a:defRPr sz="1800" kern="1200">
+                <a:solidFill>
+                  <a:schemeClr val="tx1"/>
+                </a:solidFill>
+                <a:latin typeface="+mn-lt"/>
+                <a:ea typeface="+mn-ea"/>
+                <a:cs typeface="+mn-cs"/>
+              </a:defRPr>
+            </a:lvl9pPr>
+          </a:lstStyle>
+          <a:p>
+            <a:r>
+              <a:rPr lang="en-GB" dirty="0"/>
+              <a:t>Code for Lesson CFL03 (</a:t>
+            </a:r>
+            <a:r>
+              <a:rPr lang="en-US" dirty="0"/>
+              <a:t>CFL03_RFID_Card_Read_Access</a:t>
+            </a:r>
+            <a:r>
+              <a:rPr lang="en-GB" dirty="0"/>
+              <a:t>.</a:t>
+            </a:r>
+            <a:r>
+              <a:rPr lang="en-GB" dirty="0" err="1"/>
+              <a:t>ino</a:t>
+            </a:r>
+            <a:r>
+              <a:rPr lang="en-GB" dirty="0"/>
+              <a:t>):</a:t>
+            </a:r>
+          </a:p>
+          <a:p>
+            <a:r>
+              <a:rPr lang="en-GB" dirty="0">
+                <a:hlinkClick r:id="rId3"/>
+              </a:rPr>
+              <a:t>https://github.com/info-zas/zas-robotics-communications/blob/main/01_FoundationProjects/CFL03_RFID_Card_Read_Access/CFL03_RFID_Card_Read_Access/CFL03_RFID_Card_Read_Access.ino</a:t>
+            </a:r>
+            <a:endParaRPr lang="en-GB" dirty="0"/>
+          </a:p>
+          <a:p>
+            <a:endParaRPr lang="en-GB" dirty="0"/>
+          </a:p>
+        </p:txBody>
+      </p:sp>
+      <p:pic>
+        <p:nvPicPr>
+          <p:cNvPr id="2" name="Picture 1">
+            <a:extLst>
+              <a:ext uri="{FF2B5EF4-FFF2-40B4-BE49-F238E27FC236}">
+                <a16:creationId xmlns:a16="http://schemas.microsoft.com/office/drawing/2014/main" id="{C00C6949-5BA0-277E-4954-23CACE248CDA}"/>
+              </a:ext>
+            </a:extLst>
+          </p:cNvPr>
+          <p:cNvPicPr>
+            <a:picLocks noChangeAspect="1"/>
+          </p:cNvPicPr>
+          <p:nvPr/>
+        </p:nvPicPr>
+        <p:blipFill>
+          <a:blip r:embed="rId4" cstate="print">
+            <a:extLst>
+              <a:ext uri="{28A0092B-C50C-407E-A947-70E740481C1C}">
+                <a14:useLocalDpi xmlns:a14="http://schemas.microsoft.com/office/drawing/2010/main" val="0"/>
+              </a:ext>
+            </a:extLst>
+          </a:blip>
+          <a:stretch>
+            <a:fillRect/>
+          </a:stretch>
+        </p:blipFill>
+        <p:spPr>
+          <a:xfrm>
+            <a:off x="9004852" y="1"/>
+            <a:ext cx="3125372" cy="842386"/>
+          </a:xfrm>
+          <a:prstGeom prst="rect">
+            <a:avLst/>
+          </a:prstGeom>
+        </p:spPr>
+      </p:pic>
+    </p:spTree>
+    <p:extLst>
+      <p:ext uri="{BB962C8B-B14F-4D97-AF65-F5344CB8AC3E}">
+        <p14:creationId xmlns:p14="http://schemas.microsoft.com/office/powerpoint/2010/main" val="3483057746"/>
+      </p:ext>
+    </p:extLst>
+  </p:cSld>
+  <p:clrMapOvr>
+    <a:masterClrMapping/>
+  </p:clrMapOvr>
+</p:sld>
+</file>
+
+<file path=ppt/slides/slide9.xml><?xml version="1.0" encoding="utf-8"?>
+<p:sld xmlns:a="http://schemas.openxmlformats.org/drawingml/2006/main" xmlns:r="http://schemas.openxmlformats.org/officeDocument/2006/relationships" xmlns:p="http://schemas.openxmlformats.org/presentationml/2006/main">
+  <p:cSld>
+    <p:spTree>
+      <p:nvGrpSpPr>
+        <p:cNvPr id="1" name=""/>
+        <p:cNvGrpSpPr/>
+        <p:nvPr/>
+      </p:nvGrpSpPr>
+      <p:grpSpPr>
+        <a:xfrm>
+          <a:off x="0" y="0"/>
+          <a:ext cx="0" cy="0"/>
+          <a:chOff x="0" y="0"/>
+          <a:chExt cx="0" cy="0"/>
+        </a:xfrm>
+      </p:grpSpPr>
+      <p:sp>
+        <p:nvSpPr>
+          <p:cNvPr id="2" name="Title 1">
+            <a:extLst>
+              <a:ext uri="{FF2B5EF4-FFF2-40B4-BE49-F238E27FC236}">
+                <a16:creationId xmlns:a16="http://schemas.microsoft.com/office/drawing/2014/main" id="{64F188E0-0A22-0981-413F-8623AB8A7F70}"/>
+              </a:ext>
+            </a:extLst>
+          </p:cNvPr>
+          <p:cNvSpPr>
+            <a:spLocks noGrp="1"/>
+          </p:cNvSpPr>
+          <p:nvPr>
+            <p:ph type="title"/>
+          </p:nvPr>
+        </p:nvSpPr>
+        <p:spPr>
+          <a:xfrm>
+            <a:off x="695769" y="0"/>
+            <a:ext cx="10515600" cy="1325563"/>
+          </a:xfrm>
+        </p:spPr>
+        <p:txBody>
+          <a:bodyPr/>
+          <a:lstStyle/>
+          <a:p>
+            <a:r>
+              <a:rPr lang="en-GB" b="1" dirty="0">
+                <a:solidFill>
+                  <a:srgbClr val="FF3300"/>
+                </a:solidFill>
+                <a:latin typeface="Calibri Light" panose="020F0302020204030204" pitchFamily="34" charset="0"/>
+                <a:ea typeface="Calibri Light" panose="020F0302020204030204" pitchFamily="34" charset="0"/>
+                <a:cs typeface="Calibri Light" panose="020F0302020204030204" pitchFamily="34" charset="0"/>
+              </a:rPr>
+              <a:t>CFL03 : </a:t>
+            </a:r>
+            <a:r>
+              <a:rPr lang="en-US" b="1" dirty="0">
+                <a:solidFill>
+                  <a:srgbClr val="FF3300"/>
+                </a:solidFill>
+                <a:latin typeface="Calibri Light" panose="020F0302020204030204" pitchFamily="34" charset="0"/>
+                <a:ea typeface="Calibri Light" panose="020F0302020204030204" pitchFamily="34" charset="0"/>
+                <a:cs typeface="Calibri Light" panose="020F0302020204030204" pitchFamily="34" charset="0"/>
+              </a:rPr>
+              <a:t>RFID - Access Control System -OLED</a:t>
+            </a:r>
+            <a:endParaRPr lang="en-GB" dirty="0"/>
+          </a:p>
+        </p:txBody>
+      </p:sp>
+      <p:sp>
+        <p:nvSpPr>
+          <p:cNvPr id="4" name="Date Placeholder 3">
+            <a:extLst>
+              <a:ext uri="{FF2B5EF4-FFF2-40B4-BE49-F238E27FC236}">
+                <a16:creationId xmlns:a16="http://schemas.microsoft.com/office/drawing/2014/main" id="{C8CB5737-FF2E-454D-CAF4-496FAC5C0B92}"/>
+              </a:ext>
+            </a:extLst>
+          </p:cNvPr>
+          <p:cNvSpPr>
+            <a:spLocks noGrp="1"/>
+          </p:cNvSpPr>
+          <p:nvPr>
+            <p:ph type="dt" sz="half" idx="10"/>
+          </p:nvPr>
+        </p:nvSpPr>
+        <p:spPr/>
+        <p:txBody>
+          <a:bodyPr/>
+          <a:lstStyle/>
+          <a:p>
+            <a:r>
+              <a:rPr lang="en-GB"/>
+              <a:t>December 2025</a:t>
+            </a:r>
+          </a:p>
+        </p:txBody>
+      </p:sp>
+      <p:sp>
+        <p:nvSpPr>
+          <p:cNvPr id="5" name="Slide Number Placeholder 4">
+            <a:extLst>
+              <a:ext uri="{FF2B5EF4-FFF2-40B4-BE49-F238E27FC236}">
+                <a16:creationId xmlns:a16="http://schemas.microsoft.com/office/drawing/2014/main" id="{35F7C7A4-E0B6-CBFA-83B5-92E4870879B2}"/>
+              </a:ext>
+            </a:extLst>
+          </p:cNvPr>
+          <p:cNvSpPr>
+            <a:spLocks noGrp="1"/>
+          </p:cNvSpPr>
+          <p:nvPr>
+            <p:ph type="sldNum" sz="quarter" idx="12"/>
+          </p:nvPr>
+        </p:nvSpPr>
+        <p:spPr/>
+        <p:txBody>
+          <a:bodyPr/>
+          <a:lstStyle/>
+          <a:p>
+            <a:fld id="{61F5A6A5-3841-4FBA-B455-67883EB3171A}" type="slidenum">
+              <a:rPr lang="en-GB" smtClean="0"/>
+              <a:t>9</a:t>
+            </a:fld>
+            <a:endParaRPr lang="en-GB"/>
+          </a:p>
+        </p:txBody>
+      </p:sp>
+      <p:sp>
+        <p:nvSpPr>
+          <p:cNvPr id="6" name="TextBox 5">
+            <a:extLst>
+              <a:ext uri="{FF2B5EF4-FFF2-40B4-BE49-F238E27FC236}">
+                <a16:creationId xmlns:a16="http://schemas.microsoft.com/office/drawing/2014/main" id="{DD9CF68C-156F-8E7F-7BC2-05DFAE2A2F02}"/>
+              </a:ext>
+            </a:extLst>
+          </p:cNvPr>
+          <p:cNvSpPr txBox="1"/>
+          <p:nvPr/>
+        </p:nvSpPr>
+        <p:spPr bwMode="auto">
+          <a:xfrm>
+            <a:off x="5953569" y="5691158"/>
+            <a:ext cx="5898587" cy="830997"/>
+          </a:xfrm>
+          <a:prstGeom prst="rect">
+            <a:avLst/>
+          </a:prstGeom>
+          <a:noFill/>
+          <a:ln>
+            <a:solidFill>
+              <a:schemeClr val="accent1">
+                <a:lumMod val="75000"/>
+              </a:schemeClr>
+            </a:solidFill>
+          </a:ln>
+        </p:spPr>
+        <p:txBody>
+          <a:bodyPr wrap="square" rtlCol="0">
+            <a:spAutoFit/>
+          </a:bodyPr>
+          <a:lstStyle/>
+          <a:p>
+            <a:r>
+              <a:rPr lang="en-GB" sz="1200" dirty="0">
+                <a:hlinkClick r:id="rId2"/>
+              </a:rPr>
+              <a:t>https://github.com/info-zas/zas-robotics-communications/blob/main/01_FoundationProjects/CFL03_RFID_Card_Read_Access/CFL03_RFID_Card_Read_Access_OLED/CFL03_RFID_Card_Read_Access_OLED.ino</a:t>
+            </a:r>
+            <a:endParaRPr lang="en-GB" sz="1200" dirty="0"/>
+          </a:p>
+          <a:p>
+            <a:endParaRPr lang="en-GB" sz="1200" b="1" dirty="0"/>
+          </a:p>
+        </p:txBody>
+      </p:sp>
+      <p:sp>
+        <p:nvSpPr>
+          <p:cNvPr id="12" name="TextBox 13">
+            <a:extLst>
+              <a:ext uri="{FF2B5EF4-FFF2-40B4-BE49-F238E27FC236}">
+                <a16:creationId xmlns:a16="http://schemas.microsoft.com/office/drawing/2014/main" id="{F36CD726-CAE6-53C2-96EE-900D0B3C6848}"/>
+              </a:ext>
+            </a:extLst>
+          </p:cNvPr>
+          <p:cNvSpPr txBox="1"/>
+          <p:nvPr/>
+        </p:nvSpPr>
+        <p:spPr bwMode="auto">
+          <a:xfrm>
+            <a:off x="5861514" y="5044827"/>
             <a:ext cx="5146467" cy="646331"/>
           </a:xfrm>
           <a:prstGeom prst="rect">
@@ -11640,324 +12164,6 @@
             </a:r>
             <a:r>
               <a:rPr lang="en-US" b="1" dirty="0"/>
-              <a:t>CFL03_RFID_Card_Read_Access</a:t>
-            </a:r>
-            <a:r>
-              <a:rPr lang="en-GB" b="1" dirty="0"/>
-              <a:t>.ino):</a:t>
-            </a:r>
-          </a:p>
-        </p:txBody>
-      </p:sp>
-    </p:spTree>
-    <p:extLst>
-      <p:ext uri="{BB962C8B-B14F-4D97-AF65-F5344CB8AC3E}">
-        <p14:creationId xmlns:p14="http://schemas.microsoft.com/office/powerpoint/2010/main" val="3483057746"/>
-      </p:ext>
-    </p:extLst>
-  </p:cSld>
-  <p:clrMapOvr>
-    <a:masterClrMapping/>
-  </p:clrMapOvr>
-</p:sld>
-</file>
-
-<file path=ppt/slides/slide9.xml><?xml version="1.0" encoding="utf-8"?>
-<p:sld xmlns:a="http://schemas.openxmlformats.org/drawingml/2006/main" xmlns:r="http://schemas.openxmlformats.org/officeDocument/2006/relationships" xmlns:p="http://schemas.openxmlformats.org/presentationml/2006/main">
-  <p:cSld>
-    <p:spTree>
-      <p:nvGrpSpPr>
-        <p:cNvPr id="1" name=""/>
-        <p:cNvGrpSpPr/>
-        <p:nvPr/>
-      </p:nvGrpSpPr>
-      <p:grpSpPr>
-        <a:xfrm>
-          <a:off x="0" y="0"/>
-          <a:ext cx="0" cy="0"/>
-          <a:chOff x="0" y="0"/>
-          <a:chExt cx="0" cy="0"/>
-        </a:xfrm>
-      </p:grpSpPr>
-      <p:sp>
-        <p:nvSpPr>
-          <p:cNvPr id="2" name="Title 1">
-            <a:extLst>
-              <a:ext uri="{FF2B5EF4-FFF2-40B4-BE49-F238E27FC236}">
-                <a16:creationId xmlns:a16="http://schemas.microsoft.com/office/drawing/2014/main" id="{64F188E0-0A22-0981-413F-8623AB8A7F70}"/>
-              </a:ext>
-            </a:extLst>
-          </p:cNvPr>
-          <p:cNvSpPr>
-            <a:spLocks noGrp="1"/>
-          </p:cNvSpPr>
-          <p:nvPr>
-            <p:ph type="title"/>
-          </p:nvPr>
-        </p:nvSpPr>
-        <p:spPr>
-          <a:xfrm>
-            <a:off x="695769" y="0"/>
-            <a:ext cx="10515600" cy="1325563"/>
-          </a:xfrm>
-        </p:spPr>
-        <p:txBody>
-          <a:bodyPr/>
-          <a:lstStyle/>
-          <a:p>
-            <a:r>
-              <a:rPr lang="en-GB" b="1" dirty="0">
-                <a:solidFill>
-                  <a:srgbClr val="FF3300"/>
-                </a:solidFill>
-                <a:latin typeface="Calibri Light" panose="020F0302020204030204" pitchFamily="34" charset="0"/>
-                <a:ea typeface="Calibri Light" panose="020F0302020204030204" pitchFamily="34" charset="0"/>
-                <a:cs typeface="Calibri Light" panose="020F0302020204030204" pitchFamily="34" charset="0"/>
-              </a:rPr>
-              <a:t>CFL03 : </a:t>
-            </a:r>
-            <a:r>
-              <a:rPr lang="en-US" b="1" dirty="0">
-                <a:solidFill>
-                  <a:srgbClr val="FF3300"/>
-                </a:solidFill>
-                <a:latin typeface="Calibri Light" panose="020F0302020204030204" pitchFamily="34" charset="0"/>
-                <a:ea typeface="Calibri Light" panose="020F0302020204030204" pitchFamily="34" charset="0"/>
-                <a:cs typeface="Calibri Light" panose="020F0302020204030204" pitchFamily="34" charset="0"/>
-              </a:rPr>
-              <a:t>RFID - Access Control System -OLED</a:t>
-            </a:r>
-            <a:endParaRPr lang="en-GB" dirty="0"/>
-          </a:p>
-        </p:txBody>
-      </p:sp>
-      <p:sp>
-        <p:nvSpPr>
-          <p:cNvPr id="4" name="Date Placeholder 3">
-            <a:extLst>
-              <a:ext uri="{FF2B5EF4-FFF2-40B4-BE49-F238E27FC236}">
-                <a16:creationId xmlns:a16="http://schemas.microsoft.com/office/drawing/2014/main" id="{C8CB5737-FF2E-454D-CAF4-496FAC5C0B92}"/>
-              </a:ext>
-            </a:extLst>
-          </p:cNvPr>
-          <p:cNvSpPr>
-            <a:spLocks noGrp="1"/>
-          </p:cNvSpPr>
-          <p:nvPr>
-            <p:ph type="dt" sz="half" idx="10"/>
-          </p:nvPr>
-        </p:nvSpPr>
-        <p:spPr/>
-        <p:txBody>
-          <a:bodyPr/>
-          <a:lstStyle/>
-          <a:p>
-            <a:r>
-              <a:rPr lang="en-GB"/>
-              <a:t>December 2025</a:t>
-            </a:r>
-          </a:p>
-        </p:txBody>
-      </p:sp>
-      <p:sp>
-        <p:nvSpPr>
-          <p:cNvPr id="5" name="Slide Number Placeholder 4">
-            <a:extLst>
-              <a:ext uri="{FF2B5EF4-FFF2-40B4-BE49-F238E27FC236}">
-                <a16:creationId xmlns:a16="http://schemas.microsoft.com/office/drawing/2014/main" id="{35F7C7A4-E0B6-CBFA-83B5-92E4870879B2}"/>
-              </a:ext>
-            </a:extLst>
-          </p:cNvPr>
-          <p:cNvSpPr>
-            <a:spLocks noGrp="1"/>
-          </p:cNvSpPr>
-          <p:nvPr>
-            <p:ph type="sldNum" sz="quarter" idx="12"/>
-          </p:nvPr>
-        </p:nvSpPr>
-        <p:spPr/>
-        <p:txBody>
-          <a:bodyPr/>
-          <a:lstStyle/>
-          <a:p>
-            <a:fld id="{61F5A6A5-3841-4FBA-B455-67883EB3171A}" type="slidenum">
-              <a:rPr lang="en-GB" smtClean="0"/>
-              <a:t>9</a:t>
-            </a:fld>
-            <a:endParaRPr lang="en-GB"/>
-          </a:p>
-        </p:txBody>
-      </p:sp>
-      <p:sp>
-        <p:nvSpPr>
-          <p:cNvPr id="6" name="TextBox 5">
-            <a:extLst>
-              <a:ext uri="{FF2B5EF4-FFF2-40B4-BE49-F238E27FC236}">
-                <a16:creationId xmlns:a16="http://schemas.microsoft.com/office/drawing/2014/main" id="{DD9CF68C-156F-8E7F-7BC2-05DFAE2A2F02}"/>
-              </a:ext>
-            </a:extLst>
-          </p:cNvPr>
-          <p:cNvSpPr txBox="1"/>
-          <p:nvPr/>
-        </p:nvSpPr>
-        <p:spPr bwMode="auto">
-          <a:xfrm>
-            <a:off x="5953569" y="6019704"/>
-            <a:ext cx="5898587" cy="276999"/>
-          </a:xfrm>
-          <a:prstGeom prst="rect">
-            <a:avLst/>
-          </a:prstGeom>
-          <a:noFill/>
-          <a:ln>
-            <a:solidFill>
-              <a:schemeClr val="accent1">
-                <a:lumMod val="75000"/>
-              </a:schemeClr>
-            </a:solidFill>
-          </a:ln>
-        </p:spPr>
-        <p:txBody>
-          <a:bodyPr wrap="square" rtlCol="0">
-            <a:spAutoFit/>
-          </a:bodyPr>
-          <a:lstStyle/>
-          <a:p>
-            <a:endParaRPr lang="en-GB" sz="1200" b="1" dirty="0"/>
-          </a:p>
-        </p:txBody>
-      </p:sp>
-      <p:sp>
-        <p:nvSpPr>
-          <p:cNvPr id="12" name="TextBox 13">
-            <a:extLst>
-              <a:ext uri="{FF2B5EF4-FFF2-40B4-BE49-F238E27FC236}">
-                <a16:creationId xmlns:a16="http://schemas.microsoft.com/office/drawing/2014/main" id="{F36CD726-CAE6-53C2-96EE-900D0B3C6848}"/>
-              </a:ext>
-            </a:extLst>
-          </p:cNvPr>
-          <p:cNvSpPr txBox="1"/>
-          <p:nvPr/>
-        </p:nvSpPr>
-        <p:spPr bwMode="auto">
-          <a:xfrm>
-            <a:off x="5851682" y="5358157"/>
-            <a:ext cx="5146467" cy="646331"/>
-          </a:xfrm>
-          <a:prstGeom prst="rect">
-            <a:avLst/>
-          </a:prstGeom>
-          <a:noFill/>
-        </p:spPr>
-        <p:txBody>
-          <a:bodyPr wrap="square">
-            <a:spAutoFit/>
-          </a:bodyPr>
-          <a:lstStyle>
-            <a:defPPr>
-              <a:defRPr lang="en-US"/>
-            </a:defPPr>
-            <a:lvl1pPr marL="0" algn="l" defTabSz="914400" rtl="0" eaLnBrk="1" latinLnBrk="0" hangingPunct="1">
-              <a:defRPr sz="1800" kern="1200">
-                <a:solidFill>
-                  <a:schemeClr val="tx1"/>
-                </a:solidFill>
-                <a:latin typeface="+mn-lt"/>
-                <a:ea typeface="+mn-ea"/>
-                <a:cs typeface="+mn-cs"/>
-              </a:defRPr>
-            </a:lvl1pPr>
-            <a:lvl2pPr marL="457200" algn="l" defTabSz="914400" rtl="0" eaLnBrk="1" latinLnBrk="0" hangingPunct="1">
-              <a:defRPr sz="1800" kern="1200">
-                <a:solidFill>
-                  <a:schemeClr val="tx1"/>
-                </a:solidFill>
-                <a:latin typeface="+mn-lt"/>
-                <a:ea typeface="+mn-ea"/>
-                <a:cs typeface="+mn-cs"/>
-              </a:defRPr>
-            </a:lvl2pPr>
-            <a:lvl3pPr marL="914400" algn="l" defTabSz="914400" rtl="0" eaLnBrk="1" latinLnBrk="0" hangingPunct="1">
-              <a:defRPr sz="1800" kern="1200">
-                <a:solidFill>
-                  <a:schemeClr val="tx1"/>
-                </a:solidFill>
-                <a:latin typeface="+mn-lt"/>
-                <a:ea typeface="+mn-ea"/>
-                <a:cs typeface="+mn-cs"/>
-              </a:defRPr>
-            </a:lvl3pPr>
-            <a:lvl4pPr marL="1371600" algn="l" defTabSz="914400" rtl="0" eaLnBrk="1" latinLnBrk="0" hangingPunct="1">
-              <a:defRPr sz="1800" kern="1200">
-                <a:solidFill>
-                  <a:schemeClr val="tx1"/>
-                </a:solidFill>
-                <a:latin typeface="+mn-lt"/>
-                <a:ea typeface="+mn-ea"/>
-                <a:cs typeface="+mn-cs"/>
-              </a:defRPr>
-            </a:lvl4pPr>
-            <a:lvl5pPr marL="1828800" algn="l" defTabSz="914400" rtl="0" eaLnBrk="1" latinLnBrk="0" hangingPunct="1">
-              <a:defRPr sz="1800" kern="1200">
-                <a:solidFill>
-                  <a:schemeClr val="tx1"/>
-                </a:solidFill>
-                <a:latin typeface="+mn-lt"/>
-                <a:ea typeface="+mn-ea"/>
-                <a:cs typeface="+mn-cs"/>
-              </a:defRPr>
-            </a:lvl5pPr>
-            <a:lvl6pPr marL="2286000" algn="l" defTabSz="914400" rtl="0" eaLnBrk="1" latinLnBrk="0" hangingPunct="1">
-              <a:defRPr sz="1800" kern="1200">
-                <a:solidFill>
-                  <a:schemeClr val="tx1"/>
-                </a:solidFill>
-                <a:latin typeface="+mn-lt"/>
-                <a:ea typeface="+mn-ea"/>
-                <a:cs typeface="+mn-cs"/>
-              </a:defRPr>
-            </a:lvl6pPr>
-            <a:lvl7pPr marL="2743200" algn="l" defTabSz="914400" rtl="0" eaLnBrk="1" latinLnBrk="0" hangingPunct="1">
-              <a:defRPr sz="1800" kern="1200">
-                <a:solidFill>
-                  <a:schemeClr val="tx1"/>
-                </a:solidFill>
-                <a:latin typeface="+mn-lt"/>
-                <a:ea typeface="+mn-ea"/>
-                <a:cs typeface="+mn-cs"/>
-              </a:defRPr>
-            </a:lvl7pPr>
-            <a:lvl8pPr marL="3200400" algn="l" defTabSz="914400" rtl="0" eaLnBrk="1" latinLnBrk="0" hangingPunct="1">
-              <a:defRPr sz="1800" kern="1200">
-                <a:solidFill>
-                  <a:schemeClr val="tx1"/>
-                </a:solidFill>
-                <a:latin typeface="+mn-lt"/>
-                <a:ea typeface="+mn-ea"/>
-                <a:cs typeface="+mn-cs"/>
-              </a:defRPr>
-            </a:lvl8pPr>
-            <a:lvl9pPr marL="3657600" algn="l" defTabSz="914400" rtl="0" eaLnBrk="1" latinLnBrk="0" hangingPunct="1">
-              <a:defRPr sz="1800" kern="1200">
-                <a:solidFill>
-                  <a:schemeClr val="tx1"/>
-                </a:solidFill>
-                <a:latin typeface="+mn-lt"/>
-                <a:ea typeface="+mn-ea"/>
-                <a:cs typeface="+mn-cs"/>
-              </a:defRPr>
-            </a:lvl9pPr>
-          </a:lstStyle>
-          <a:p>
-            <a:pPr>
-              <a:defRPr/>
-            </a:pPr>
-            <a:r>
-              <a:rPr lang="en-GB" b="1" dirty="0"/>
-              <a:t>Code for Lesson CFL03 (</a:t>
-            </a:r>
-            <a:r>
-              <a:rPr lang="en-US" b="1" dirty="0"/>
               <a:t>CFL03_RFID_Card_Read_Access_OLED</a:t>
             </a:r>
             <a:r>
@@ -11982,7 +12188,7 @@
           <p:nvPr/>
         </p:nvPicPr>
         <p:blipFill>
-          <a:blip r:embed="rId2">
+          <a:blip r:embed="rId3">
             <a:extLst>
               <a:ext uri="{28A0092B-C50C-407E-A947-70E740481C1C}">
                 <a14:useLocalDpi xmlns:a14="http://schemas.microsoft.com/office/drawing/2010/main" val="0"/>
@@ -12130,6 +12336,42 @@
           </a:p>
         </p:txBody>
       </p:sp>
+      <p:pic>
+        <p:nvPicPr>
+          <p:cNvPr id="3" name="Picture 2">
+            <a:extLst>
+              <a:ext uri="{FF2B5EF4-FFF2-40B4-BE49-F238E27FC236}">
+                <a16:creationId xmlns:a16="http://schemas.microsoft.com/office/drawing/2014/main" id="{68A4DD27-FF12-41DE-E865-F8C317CC101A}"/>
+              </a:ext>
+            </a:extLst>
+          </p:cNvPr>
+          <p:cNvPicPr>
+            <a:picLocks noChangeAspect="1"/>
+          </p:cNvPicPr>
+          <p:nvPr/>
+        </p:nvPicPr>
+        <p:blipFill>
+          <a:blip r:embed="rId4" cstate="print">
+            <a:extLst>
+              <a:ext uri="{28A0092B-C50C-407E-A947-70E740481C1C}">
+                <a14:useLocalDpi xmlns:a14="http://schemas.microsoft.com/office/drawing/2010/main" val="0"/>
+              </a:ext>
+            </a:extLst>
+          </a:blip>
+          <a:stretch>
+            <a:fillRect/>
+          </a:stretch>
+        </p:blipFill>
+        <p:spPr>
+          <a:xfrm>
+            <a:off x="9004852" y="1"/>
+            <a:ext cx="3125372" cy="842386"/>
+          </a:xfrm>
+          <a:prstGeom prst="rect">
+            <a:avLst/>
+          </a:prstGeom>
+        </p:spPr>
+      </p:pic>
     </p:spTree>
     <p:extLst>
       <p:ext uri="{BB962C8B-B14F-4D97-AF65-F5344CB8AC3E}">
